--- a/db프로젝트동영상.pptx [자동 저장].pptx
+++ b/db프로젝트동영상.pptx [자동 저장].pptx
@@ -254,7 +254,7 @@
           <a:p>
             <a:fld id="{916057A7-40C6-4620-9030-9A5DD83D5F2A}" type="datetimeFigureOut">
               <a:rPr lang="ko-KR" altLang="en-US" smtClean="0"/>
-              <a:t>2016-12-06</a:t>
+              <a:t>2016-12-10</a:t>
             </a:fld>
             <a:endParaRPr lang="ko-KR" altLang="en-US"/>
           </a:p>
@@ -422,7 +422,7 @@
           <a:p>
             <a:fld id="{916057A7-40C6-4620-9030-9A5DD83D5F2A}" type="datetimeFigureOut">
               <a:rPr lang="ko-KR" altLang="en-US" smtClean="0"/>
-              <a:t>2016-12-06</a:t>
+              <a:t>2016-12-10</a:t>
             </a:fld>
             <a:endParaRPr lang="ko-KR" altLang="en-US"/>
           </a:p>
@@ -600,7 +600,7 @@
           <a:p>
             <a:fld id="{916057A7-40C6-4620-9030-9A5DD83D5F2A}" type="datetimeFigureOut">
               <a:rPr lang="ko-KR" altLang="en-US" smtClean="0"/>
-              <a:t>2016-12-06</a:t>
+              <a:t>2016-12-10</a:t>
             </a:fld>
             <a:endParaRPr lang="ko-KR" altLang="en-US"/>
           </a:p>
@@ -768,7 +768,7 @@
           <a:p>
             <a:fld id="{916057A7-40C6-4620-9030-9A5DD83D5F2A}" type="datetimeFigureOut">
               <a:rPr lang="ko-KR" altLang="en-US" smtClean="0"/>
-              <a:t>2016-12-06</a:t>
+              <a:t>2016-12-10</a:t>
             </a:fld>
             <a:endParaRPr lang="ko-KR" altLang="en-US"/>
           </a:p>
@@ -1013,7 +1013,7 @@
           <a:p>
             <a:fld id="{916057A7-40C6-4620-9030-9A5DD83D5F2A}" type="datetimeFigureOut">
               <a:rPr lang="ko-KR" altLang="en-US" smtClean="0"/>
-              <a:t>2016-12-06</a:t>
+              <a:t>2016-12-10</a:t>
             </a:fld>
             <a:endParaRPr lang="ko-KR" altLang="en-US"/>
           </a:p>
@@ -1242,7 +1242,7 @@
           <a:p>
             <a:fld id="{916057A7-40C6-4620-9030-9A5DD83D5F2A}" type="datetimeFigureOut">
               <a:rPr lang="ko-KR" altLang="en-US" smtClean="0"/>
-              <a:t>2016-12-06</a:t>
+              <a:t>2016-12-10</a:t>
             </a:fld>
             <a:endParaRPr lang="ko-KR" altLang="en-US"/>
           </a:p>
@@ -1606,7 +1606,7 @@
           <a:p>
             <a:fld id="{916057A7-40C6-4620-9030-9A5DD83D5F2A}" type="datetimeFigureOut">
               <a:rPr lang="ko-KR" altLang="en-US" smtClean="0"/>
-              <a:t>2016-12-06</a:t>
+              <a:t>2016-12-10</a:t>
             </a:fld>
             <a:endParaRPr lang="ko-KR" altLang="en-US"/>
           </a:p>
@@ -1723,7 +1723,7 @@
           <a:p>
             <a:fld id="{916057A7-40C6-4620-9030-9A5DD83D5F2A}" type="datetimeFigureOut">
               <a:rPr lang="ko-KR" altLang="en-US" smtClean="0"/>
-              <a:t>2016-12-06</a:t>
+              <a:t>2016-12-10</a:t>
             </a:fld>
             <a:endParaRPr lang="ko-KR" altLang="en-US"/>
           </a:p>
@@ -1818,7 +1818,7 @@
           <a:p>
             <a:fld id="{916057A7-40C6-4620-9030-9A5DD83D5F2A}" type="datetimeFigureOut">
               <a:rPr lang="ko-KR" altLang="en-US" smtClean="0"/>
-              <a:t>2016-12-06</a:t>
+              <a:t>2016-12-10</a:t>
             </a:fld>
             <a:endParaRPr lang="ko-KR" altLang="en-US"/>
           </a:p>
@@ -2093,7 +2093,7 @@
           <a:p>
             <a:fld id="{916057A7-40C6-4620-9030-9A5DD83D5F2A}" type="datetimeFigureOut">
               <a:rPr lang="ko-KR" altLang="en-US" smtClean="0"/>
-              <a:t>2016-12-06</a:t>
+              <a:t>2016-12-10</a:t>
             </a:fld>
             <a:endParaRPr lang="ko-KR" altLang="en-US"/>
           </a:p>
@@ -2345,7 +2345,7 @@
           <a:p>
             <a:fld id="{916057A7-40C6-4620-9030-9A5DD83D5F2A}" type="datetimeFigureOut">
               <a:rPr lang="ko-KR" altLang="en-US" smtClean="0"/>
-              <a:t>2016-12-06</a:t>
+              <a:t>2016-12-10</a:t>
             </a:fld>
             <a:endParaRPr lang="ko-KR" altLang="en-US"/>
           </a:p>
@@ -2556,7 +2556,7 @@
           <a:p>
             <a:fld id="{916057A7-40C6-4620-9030-9A5DD83D5F2A}" type="datetimeFigureOut">
               <a:rPr lang="ko-KR" altLang="en-US" smtClean="0"/>
-              <a:t>2016-12-06</a:t>
+              <a:t>2016-12-10</a:t>
             </a:fld>
             <a:endParaRPr lang="ko-KR" altLang="en-US"/>
           </a:p>
@@ -3463,71 +3463,6 @@
           </a:fontRef>
         </p:style>
       </p:cxnSp>
-      <p:sp>
-        <p:nvSpPr>
-          <p:cNvPr id="9" name="직사각형 8"/>
-          <p:cNvSpPr/>
-          <p:nvPr/>
-        </p:nvSpPr>
-        <p:spPr>
-          <a:xfrm>
-            <a:off x="2308302" y="894855"/>
-            <a:ext cx="914400" cy="323167"/>
-          </a:xfrm>
-          <a:prstGeom prst="rect">
-            <a:avLst/>
-          </a:prstGeom>
-          <a:solidFill>
-            <a:schemeClr val="bg1">
-              <a:lumMod val="65000"/>
-            </a:schemeClr>
-          </a:solidFill>
-          <a:ln>
-            <a:solidFill>
-              <a:schemeClr val="tx1">
-                <a:lumMod val="95000"/>
-                <a:lumOff val="5000"/>
-              </a:schemeClr>
-            </a:solidFill>
-          </a:ln>
-        </p:spPr>
-        <p:style>
-          <a:lnRef idx="2">
-            <a:schemeClr val="accent1">
-              <a:shade val="50000"/>
-            </a:schemeClr>
-          </a:lnRef>
-          <a:fillRef idx="1">
-            <a:schemeClr val="accent1"/>
-          </a:fillRef>
-          <a:effectRef idx="0">
-            <a:schemeClr val="accent1"/>
-          </a:effectRef>
-          <a:fontRef idx="minor">
-            <a:schemeClr val="lt1"/>
-          </a:fontRef>
-        </p:style>
-        <p:txBody>
-          <a:bodyPr rtlCol="0" anchor="ctr"/>
-          <a:lstStyle/>
-          <a:p>
-            <a:pPr algn="ctr"/>
-            <a:r>
-              <a:rPr lang="ko-KR" altLang="en-US" dirty="0" err="1">
-                <a:solidFill>
-                  <a:srgbClr val="FF0000"/>
-                </a:solidFill>
-              </a:rPr>
-              <a:t>보관함삭제</a:t>
-            </a:r>
-            <a:endParaRPr lang="ko-KR" altLang="en-US" dirty="0">
-              <a:solidFill>
-                <a:srgbClr val="FF0000"/>
-              </a:solidFill>
-            </a:endParaRPr>
-          </a:p>
-        </p:txBody>
-      </p:sp>
       <p:cxnSp>
         <p:nvCxnSpPr>
           <p:cNvPr id="10" name="직선 연결선 9"/>
@@ -3604,7 +3539,7 @@
         </p:nvSpPr>
         <p:spPr>
           <a:xfrm>
-            <a:off x="3222702" y="896407"/>
+            <a:off x="2307861" y="908806"/>
             <a:ext cx="1193181" cy="323167"/>
           </a:xfrm>
           <a:prstGeom prst="rect">
@@ -5170,7 +5105,7 @@
             <p:nvPr/>
           </p:nvPicPr>
           <p:blipFill>
-            <a:blip r:embed="rId2">
+            <a:blip r:embed="rId2" cstate="print">
               <a:extLst>
                 <a:ext uri="{28A0092B-C50C-407E-A947-70E740481C1C}">
                   <a14:useLocalDpi xmlns:a14="http://schemas.microsoft.com/office/drawing/2010/main" val="0"/>
@@ -5653,7 +5588,7 @@
             <p:nvPr/>
           </p:nvPicPr>
           <p:blipFill>
-            <a:blip r:embed="rId2">
+            <a:blip r:embed="rId2" cstate="print">
               <a:extLst>
                 <a:ext uri="{28A0092B-C50C-407E-A947-70E740481C1C}">
                   <a14:useLocalDpi xmlns:a14="http://schemas.microsoft.com/office/drawing/2010/main" val="0"/>
@@ -5794,7 +5729,7 @@
           <p:nvPr/>
         </p:nvPicPr>
         <p:blipFill>
-          <a:blip r:embed="rId3">
+          <a:blip r:embed="rId3" cstate="print">
             <a:extLst>
               <a:ext uri="{28A0092B-C50C-407E-A947-70E740481C1C}">
                 <a14:useLocalDpi xmlns:a14="http://schemas.microsoft.com/office/drawing/2010/main" val="0"/>
@@ -6261,6 +6196,50 @@
               </a:rPr>
               <a:t>검색</a:t>
             </a:r>
+          </a:p>
+        </p:txBody>
+      </p:sp>
+      <p:sp>
+        <p:nvSpPr>
+          <p:cNvPr id="2" name="직사각형 1"/>
+          <p:cNvSpPr/>
+          <p:nvPr/>
+        </p:nvSpPr>
+        <p:spPr>
+          <a:xfrm>
+            <a:off x="6181991" y="2126637"/>
+            <a:ext cx="697122" cy="462249"/>
+          </a:xfrm>
+          <a:prstGeom prst="rect">
+            <a:avLst/>
+          </a:prstGeom>
+        </p:spPr>
+        <p:style>
+          <a:lnRef idx="2">
+            <a:schemeClr val="accent1">
+              <a:shade val="50000"/>
+            </a:schemeClr>
+          </a:lnRef>
+          <a:fillRef idx="1">
+            <a:schemeClr val="accent1"/>
+          </a:fillRef>
+          <a:effectRef idx="0">
+            <a:schemeClr val="accent1"/>
+          </a:effectRef>
+          <a:fontRef idx="minor">
+            <a:schemeClr val="lt1"/>
+          </a:fontRef>
+        </p:style>
+        <p:txBody>
+          <a:bodyPr rtlCol="0" anchor="ctr"/>
+          <a:lstStyle/>
+          <a:p>
+            <a:pPr algn="ctr"/>
+            <a:r>
+              <a:rPr lang="ko-KR" altLang="en-US" smtClean="0"/>
+              <a:t>재생</a:t>
+            </a:r>
+            <a:endParaRPr lang="ko-KR" altLang="en-US"/>
           </a:p>
         </p:txBody>
       </p:sp>
